--- a/Prezentace/2_Vizualizace_dat.pptx
+++ b/Prezentace/2_Vizualizace_dat.pptx
@@ -5,15 +5,14 @@
     <p:sldMasterId id="2147483660" r:id="rId4"/>
   </p:sldMasterIdLst>
   <p:notesMasterIdLst>
-    <p:notesMasterId r:id="rId11"/>
+    <p:notesMasterId r:id="rId10"/>
   </p:notesMasterIdLst>
   <p:sldIdLst>
     <p:sldId id="404" r:id="rId5"/>
     <p:sldId id="339" r:id="rId6"/>
     <p:sldId id="323" r:id="rId7"/>
     <p:sldId id="415" r:id="rId8"/>
-    <p:sldId id="416" r:id="rId9"/>
-    <p:sldId id="417" r:id="rId10"/>
+    <p:sldId id="417" r:id="rId9"/>
   </p:sldIdLst>
   <p:sldSz cx="11522075" cy="6858000"/>
   <p:notesSz cx="6858000" cy="9144000"/>
@@ -313,7 +312,7 @@
               <a:pPr>
                 <a:defRPr/>
               </a:pPr>
-              <a:t>26.11.2024</a:t>
+              <a:t>03.12.2024</a:t>
             </a:fld>
             <a:endParaRPr lang="cs-CZ"/>
           </a:p>
@@ -3509,7 +3508,7 @@
               <a:pPr>
                 <a:defRPr/>
               </a:pPr>
-              <a:t>26.11.2024</a:t>
+              <a:t>03.12.2024</a:t>
             </a:fld>
             <a:endParaRPr lang="cs-CZ"/>
           </a:p>
@@ -4856,8 +4855,8 @@
           </a:p>
         </p:txBody>
       </p:sp>
-      <mc:AlternateContent xmlns:mc="http://schemas.openxmlformats.org/markup-compatibility/2006">
-        <mc:Choice xmlns:p14="http://schemas.microsoft.com/office/powerpoint/2010/main" Requires="p14">
+      <mc:AlternateContent xmlns:mc="http://schemas.openxmlformats.org/markup-compatibility/2006" xmlns:p14="http://schemas.microsoft.com/office/powerpoint/2010/main">
+        <mc:Choice Requires="p14">
           <p:contentPart p14:bwMode="auto" r:id="rId4">
             <p14:nvContentPartPr>
               <p14:cNvPr id="4" name="Ink 3">
@@ -4876,7 +4875,7 @@
             </p14:xfrm>
           </p:contentPart>
         </mc:Choice>
-        <mc:Fallback>
+        <mc:Fallback xmlns="">
           <p:pic>
             <p:nvPicPr>
               <p:cNvPr id="4" name="Ink 3">
@@ -5390,473 +5389,6 @@
         <p:cNvPr id="1" name="">
           <a:extLst>
             <a:ext uri="{FF2B5EF4-FFF2-40B4-BE49-F238E27FC236}">
-              <a16:creationId xmlns:a16="http://schemas.microsoft.com/office/drawing/2014/main" id="{F0378FF3-6EE5-2E1F-93A6-7DD693B2FCA4}"/>
-            </a:ext>
-          </a:extLst>
-        </p:cNvPr>
-        <p:cNvGrpSpPr/>
-        <p:nvPr/>
-      </p:nvGrpSpPr>
-      <p:grpSpPr>
-        <a:xfrm>
-          <a:off x="0" y="0"/>
-          <a:ext cx="0" cy="0"/>
-          <a:chOff x="0" y="0"/>
-          <a:chExt cx="0" cy="0"/>
-        </a:xfrm>
-      </p:grpSpPr>
-      <p:sp>
-        <p:nvSpPr>
-          <p:cNvPr id="14338" name="Rectangle 2">
-            <a:extLst>
-              <a:ext uri="{FF2B5EF4-FFF2-40B4-BE49-F238E27FC236}">
-                <a16:creationId xmlns:a16="http://schemas.microsoft.com/office/drawing/2014/main" id="{06BEE140-0062-0D48-85D3-0B211CB265EA}"/>
-              </a:ext>
-            </a:extLst>
-          </p:cNvPr>
-          <p:cNvSpPr>
-            <a:spLocks noGrp="1"/>
-          </p:cNvSpPr>
-          <p:nvPr>
-            <p:ph type="title" idx="4294967295"/>
-          </p:nvPr>
-        </p:nvSpPr>
-        <p:spPr>
-          <a:xfrm>
-            <a:off x="972175" y="1967266"/>
-            <a:ext cx="2484447" cy="2547257"/>
-          </a:xfrm>
-          <a:noFill/>
-        </p:spPr>
-        <p:txBody>
-          <a:bodyPr vert="horz" lIns="91440" tIns="45720" rIns="91440" bIns="45720" rtlCol="0" anchor="ctr">
-            <a:normAutofit/>
-          </a:bodyPr>
-          <a:lstStyle/>
-          <a:p>
-            <a:pPr algn="ctr" eaLnBrk="1" hangingPunct="1"/>
-            <a:r>
-              <a:rPr lang="en-US" altLang="cs-CZ" sz="3500" kern="1200" dirty="0">
-                <a:solidFill>
-                  <a:srgbClr val="FFFFFF"/>
-                </a:solidFill>
-                <a:latin typeface="+mj-lt"/>
-                <a:ea typeface="+mj-ea"/>
-                <a:cs typeface="+mj-cs"/>
-              </a:rPr>
-              <a:t>CRISP-DM</a:t>
-            </a:r>
-          </a:p>
-        </p:txBody>
-      </p:sp>
-      <p:sp>
-        <p:nvSpPr>
-          <p:cNvPr id="2" name="TextBox 1">
-            <a:extLst>
-              <a:ext uri="{FF2B5EF4-FFF2-40B4-BE49-F238E27FC236}">
-                <a16:creationId xmlns:a16="http://schemas.microsoft.com/office/drawing/2014/main" id="{D322BB5F-10E8-853E-01BF-BC85366B4175}"/>
-              </a:ext>
-            </a:extLst>
-          </p:cNvPr>
-          <p:cNvSpPr txBox="1"/>
-          <p:nvPr/>
-        </p:nvSpPr>
-        <p:spPr>
-          <a:xfrm>
-            <a:off x="460353" y="643466"/>
-            <a:ext cx="4792717" cy="1061829"/>
-          </a:xfrm>
-          <a:prstGeom prst="rect">
-            <a:avLst/>
-          </a:prstGeom>
-          <a:noFill/>
-          <a:ln>
-            <a:noFill/>
-          </a:ln>
-          <a:extLst>
-            <a:ext uri="{909E8E84-426E-40DD-AFC4-6F175D3DCCD1}">
-              <a14:hiddenFill xmlns:a14="http://schemas.microsoft.com/office/drawing/2010/main">
-                <a:solidFill>
-                  <a:srgbClr val="FFFFFF"/>
-                </a:solidFill>
-              </a14:hiddenFill>
-            </a:ext>
-            <a:ext uri="{91240B29-F687-4F45-9708-019B960494DF}">
-              <a14:hiddenLine xmlns:a14="http://schemas.microsoft.com/office/drawing/2010/main" w="9525">
-                <a:solidFill>
-                  <a:srgbClr val="000000"/>
-                </a:solidFill>
-                <a:miter lim="800000"/>
-                <a:headEnd/>
-                <a:tailEnd/>
-              </a14:hiddenLine>
-            </a:ext>
-          </a:extLst>
-        </p:spPr>
-        <p:txBody>
-          <a:bodyPr vert="horz" wrap="square" lIns="91440" tIns="45720" rIns="91440" bIns="45720" numCol="1" rtlCol="0" anchor="ctr" anchorCtr="0" compatLnSpc="1">
-            <a:prstTxWarp prst="textNoShape">
-              <a:avLst/>
-            </a:prstTxWarp>
-            <a:normAutofit/>
-          </a:bodyPr>
-          <a:lstStyle>
-            <a:lvl1pPr algn="ctr" eaLnBrk="1" hangingPunct="1">
-              <a:lnSpc>
-                <a:spcPct val="90000"/>
-              </a:lnSpc>
-              <a:defRPr sz="3500">
-                <a:solidFill>
-                  <a:srgbClr val="FFFFFF"/>
-                </a:solidFill>
-                <a:latin typeface="+mj-lt"/>
-                <a:ea typeface="+mj-ea"/>
-                <a:cs typeface="+mj-cs"/>
-              </a:defRPr>
-            </a:lvl1pPr>
-            <a:lvl2pPr>
-              <a:lnSpc>
-                <a:spcPct val="90000"/>
-              </a:lnSpc>
-              <a:defRPr sz="4400">
-                <a:latin typeface="Century Gothic" panose="020B0502020202020204" pitchFamily="34" charset="0"/>
-              </a:defRPr>
-            </a:lvl2pPr>
-            <a:lvl3pPr>
-              <a:lnSpc>
-                <a:spcPct val="90000"/>
-              </a:lnSpc>
-              <a:defRPr sz="4400">
-                <a:latin typeface="Century Gothic" panose="020B0502020202020204" pitchFamily="34" charset="0"/>
-              </a:defRPr>
-            </a:lvl3pPr>
-            <a:lvl4pPr>
-              <a:lnSpc>
-                <a:spcPct val="90000"/>
-              </a:lnSpc>
-              <a:defRPr sz="4400">
-                <a:latin typeface="Century Gothic" panose="020B0502020202020204" pitchFamily="34" charset="0"/>
-              </a:defRPr>
-            </a:lvl4pPr>
-            <a:lvl5pPr>
-              <a:lnSpc>
-                <a:spcPct val="90000"/>
-              </a:lnSpc>
-              <a:defRPr sz="4400">
-                <a:latin typeface="Century Gothic" panose="020B0502020202020204" pitchFamily="34" charset="0"/>
-              </a:defRPr>
-            </a:lvl5pPr>
-            <a:lvl6pPr marL="457200" fontAlgn="base">
-              <a:lnSpc>
-                <a:spcPct val="90000"/>
-              </a:lnSpc>
-              <a:spcBef>
-                <a:spcPct val="0"/>
-              </a:spcBef>
-              <a:spcAft>
-                <a:spcPct val="0"/>
-              </a:spcAft>
-              <a:defRPr sz="4400">
-                <a:latin typeface="Century Gothic" panose="020B0502020202020204" pitchFamily="34" charset="0"/>
-              </a:defRPr>
-            </a:lvl6pPr>
-            <a:lvl7pPr marL="914400" fontAlgn="base">
-              <a:lnSpc>
-                <a:spcPct val="90000"/>
-              </a:lnSpc>
-              <a:spcBef>
-                <a:spcPct val="0"/>
-              </a:spcBef>
-              <a:spcAft>
-                <a:spcPct val="0"/>
-              </a:spcAft>
-              <a:defRPr sz="4400">
-                <a:latin typeface="Century Gothic" panose="020B0502020202020204" pitchFamily="34" charset="0"/>
-              </a:defRPr>
-            </a:lvl7pPr>
-            <a:lvl8pPr marL="1371600" fontAlgn="base">
-              <a:lnSpc>
-                <a:spcPct val="90000"/>
-              </a:lnSpc>
-              <a:spcBef>
-                <a:spcPct val="0"/>
-              </a:spcBef>
-              <a:spcAft>
-                <a:spcPct val="0"/>
-              </a:spcAft>
-              <a:defRPr sz="4400">
-                <a:latin typeface="Century Gothic" panose="020B0502020202020204" pitchFamily="34" charset="0"/>
-              </a:defRPr>
-            </a:lvl8pPr>
-            <a:lvl9pPr marL="1828800" fontAlgn="base">
-              <a:lnSpc>
-                <a:spcPct val="90000"/>
-              </a:lnSpc>
-              <a:spcBef>
-                <a:spcPct val="0"/>
-              </a:spcBef>
-              <a:spcAft>
-                <a:spcPct val="0"/>
-              </a:spcAft>
-              <a:defRPr sz="4400">
-                <a:latin typeface="Century Gothic" panose="020B0502020202020204" pitchFamily="34" charset="0"/>
-              </a:defRPr>
-            </a:lvl9pPr>
-          </a:lstStyle>
-          <a:p>
-            <a:r>
-              <a:rPr lang="cs-CZ" dirty="0">
-                <a:solidFill>
-                  <a:srgbClr val="292929"/>
-                </a:solidFill>
-              </a:rPr>
-              <a:t>Proč obrázky dělat?</a:t>
-            </a:r>
-            <a:endParaRPr lang="en-US" dirty="0">
-              <a:solidFill>
-                <a:srgbClr val="292929"/>
-              </a:solidFill>
-            </a:endParaRPr>
-          </a:p>
-        </p:txBody>
-      </p:sp>
-      <p:sp>
-        <p:nvSpPr>
-          <p:cNvPr id="4" name="TextBox 3">
-            <a:extLst>
-              <a:ext uri="{FF2B5EF4-FFF2-40B4-BE49-F238E27FC236}">
-                <a16:creationId xmlns:a16="http://schemas.microsoft.com/office/drawing/2014/main" id="{B596E39F-CE5F-D1E7-1E57-3992124E2AF4}"/>
-              </a:ext>
-            </a:extLst>
-          </p:cNvPr>
-          <p:cNvSpPr txBox="1"/>
-          <p:nvPr/>
-        </p:nvSpPr>
-        <p:spPr>
-          <a:xfrm>
-            <a:off x="756744" y="1848130"/>
-            <a:ext cx="8507074" cy="3159409"/>
-          </a:xfrm>
-          <a:prstGeom prst="rect">
-            <a:avLst/>
-          </a:prstGeom>
-          <a:noFill/>
-          <a:ln>
-            <a:noFill/>
-          </a:ln>
-          <a:extLst>
-            <a:ext uri="{909E8E84-426E-40DD-AFC4-6F175D3DCCD1}">
-              <a14:hiddenFill xmlns:a14="http://schemas.microsoft.com/office/drawing/2010/main">
-                <a:solidFill>
-                  <a:srgbClr val="FFFFFF"/>
-                </a:solidFill>
-              </a14:hiddenFill>
-            </a:ext>
-            <a:ext uri="{91240B29-F687-4F45-9708-019B960494DF}">
-              <a14:hiddenLine xmlns:a14="http://schemas.microsoft.com/office/drawing/2010/main" w="9525">
-                <a:solidFill>
-                  <a:srgbClr val="000000"/>
-                </a:solidFill>
-                <a:miter lim="800000"/>
-                <a:headEnd/>
-                <a:tailEnd/>
-              </a14:hiddenLine>
-            </a:ext>
-          </a:extLst>
-        </p:spPr>
-        <p:txBody>
-          <a:bodyPr vert="horz" wrap="square" lIns="91440" tIns="45720" rIns="91440" bIns="45720" numCol="1" rtlCol="0" anchor="ctr" anchorCtr="0" compatLnSpc="1">
-            <a:prstTxWarp prst="textNoShape">
-              <a:avLst/>
-            </a:prstTxWarp>
-            <a:normAutofit/>
-          </a:bodyPr>
-          <a:lstStyle>
-            <a:lvl1pPr algn="ctr" eaLnBrk="1" hangingPunct="1">
-              <a:lnSpc>
-                <a:spcPct val="90000"/>
-              </a:lnSpc>
-              <a:defRPr sz="3500">
-                <a:solidFill>
-                  <a:srgbClr val="FFFFFF"/>
-                </a:solidFill>
-                <a:latin typeface="+mj-lt"/>
-                <a:ea typeface="+mj-ea"/>
-                <a:cs typeface="+mj-cs"/>
-              </a:defRPr>
-            </a:lvl1pPr>
-            <a:lvl2pPr>
-              <a:lnSpc>
-                <a:spcPct val="90000"/>
-              </a:lnSpc>
-              <a:defRPr sz="4400">
-                <a:latin typeface="Century Gothic" panose="020B0502020202020204" pitchFamily="34" charset="0"/>
-              </a:defRPr>
-            </a:lvl2pPr>
-            <a:lvl3pPr>
-              <a:lnSpc>
-                <a:spcPct val="90000"/>
-              </a:lnSpc>
-              <a:defRPr sz="4400">
-                <a:latin typeface="Century Gothic" panose="020B0502020202020204" pitchFamily="34" charset="0"/>
-              </a:defRPr>
-            </a:lvl3pPr>
-            <a:lvl4pPr>
-              <a:lnSpc>
-                <a:spcPct val="90000"/>
-              </a:lnSpc>
-              <a:defRPr sz="4400">
-                <a:latin typeface="Century Gothic" panose="020B0502020202020204" pitchFamily="34" charset="0"/>
-              </a:defRPr>
-            </a:lvl4pPr>
-            <a:lvl5pPr>
-              <a:lnSpc>
-                <a:spcPct val="90000"/>
-              </a:lnSpc>
-              <a:defRPr sz="4400">
-                <a:latin typeface="Century Gothic" panose="020B0502020202020204" pitchFamily="34" charset="0"/>
-              </a:defRPr>
-            </a:lvl5pPr>
-            <a:lvl6pPr marL="457200" fontAlgn="base">
-              <a:lnSpc>
-                <a:spcPct val="90000"/>
-              </a:lnSpc>
-              <a:spcBef>
-                <a:spcPct val="0"/>
-              </a:spcBef>
-              <a:spcAft>
-                <a:spcPct val="0"/>
-              </a:spcAft>
-              <a:defRPr sz="4400">
-                <a:latin typeface="Century Gothic" panose="020B0502020202020204" pitchFamily="34" charset="0"/>
-              </a:defRPr>
-            </a:lvl6pPr>
-            <a:lvl7pPr marL="914400" fontAlgn="base">
-              <a:lnSpc>
-                <a:spcPct val="90000"/>
-              </a:lnSpc>
-              <a:spcBef>
-                <a:spcPct val="0"/>
-              </a:spcBef>
-              <a:spcAft>
-                <a:spcPct val="0"/>
-              </a:spcAft>
-              <a:defRPr sz="4400">
-                <a:latin typeface="Century Gothic" panose="020B0502020202020204" pitchFamily="34" charset="0"/>
-              </a:defRPr>
-            </a:lvl7pPr>
-            <a:lvl8pPr marL="1371600" fontAlgn="base">
-              <a:lnSpc>
-                <a:spcPct val="90000"/>
-              </a:lnSpc>
-              <a:spcBef>
-                <a:spcPct val="0"/>
-              </a:spcBef>
-              <a:spcAft>
-                <a:spcPct val="0"/>
-              </a:spcAft>
-              <a:defRPr sz="4400">
-                <a:latin typeface="Century Gothic" panose="020B0502020202020204" pitchFamily="34" charset="0"/>
-              </a:defRPr>
-            </a:lvl8pPr>
-            <a:lvl9pPr marL="1828800" fontAlgn="base">
-              <a:lnSpc>
-                <a:spcPct val="90000"/>
-              </a:lnSpc>
-              <a:spcBef>
-                <a:spcPct val="0"/>
-              </a:spcBef>
-              <a:spcAft>
-                <a:spcPct val="0"/>
-              </a:spcAft>
-              <a:defRPr sz="4400">
-                <a:latin typeface="Century Gothic" panose="020B0502020202020204" pitchFamily="34" charset="0"/>
-              </a:defRPr>
-            </a:lvl9pPr>
-          </a:lstStyle>
-          <a:p>
-            <a:pPr algn="l">
-              <a:spcAft>
-                <a:spcPts val="2400"/>
-              </a:spcAft>
-            </a:pPr>
-            <a:r>
-              <a:rPr lang="cs-CZ" sz="2400" b="0" dirty="0">
-                <a:solidFill>
-                  <a:srgbClr val="292929"/>
-                </a:solidFill>
-              </a:rPr>
-              <a:t>Jednoduchý pohled na komplexní věc</a:t>
-            </a:r>
-          </a:p>
-          <a:p>
-            <a:pPr algn="l">
-              <a:spcAft>
-                <a:spcPts val="2400"/>
-              </a:spcAft>
-            </a:pPr>
-            <a:r>
-              <a:rPr lang="cs-CZ" sz="2400" b="0" dirty="0">
-                <a:solidFill>
-                  <a:srgbClr val="292929"/>
-                </a:solidFill>
-              </a:rPr>
-              <a:t>Pro mnohé lepší než tabulka s daty</a:t>
-            </a:r>
-          </a:p>
-          <a:p>
-            <a:pPr algn="l">
-              <a:spcAft>
-                <a:spcPts val="2400"/>
-              </a:spcAft>
-            </a:pPr>
-            <a:r>
-              <a:rPr lang="cs-CZ" sz="2400" b="0" dirty="0">
-                <a:solidFill>
-                  <a:srgbClr val="292929"/>
-                </a:solidFill>
-              </a:rPr>
-              <a:t>Chytlavé, lze si s tím hodně vyhrát</a:t>
-            </a:r>
-          </a:p>
-          <a:p>
-            <a:pPr algn="l">
-              <a:spcAft>
-                <a:spcPts val="2400"/>
-              </a:spcAft>
-            </a:pPr>
-            <a:r>
-              <a:rPr lang="cs-CZ" sz="2400" b="0" dirty="0">
-                <a:solidFill>
-                  <a:srgbClr val="292929"/>
-                </a:solidFill>
-              </a:rPr>
-              <a:t>Více intuitivní než statistiky</a:t>
-            </a:r>
-          </a:p>
-        </p:txBody>
-      </p:sp>
-    </p:spTree>
-    <p:extLst>
-      <p:ext uri="{BB962C8B-B14F-4D97-AF65-F5344CB8AC3E}">
-        <p14:creationId xmlns:p14="http://schemas.microsoft.com/office/powerpoint/2010/main" val="4168032752"/>
-      </p:ext>
-    </p:extLst>
-  </p:cSld>
-  <p:clrMapOvr>
-    <a:masterClrMapping/>
-  </p:clrMapOvr>
-</p:sld>
-</file>
-
-<file path=ppt/slides/slide6.xml><?xml version="1.0" encoding="utf-8"?>
-<p:sld xmlns:a="http://schemas.openxmlformats.org/drawingml/2006/main" xmlns:r="http://schemas.openxmlformats.org/officeDocument/2006/relationships" xmlns:p="http://schemas.openxmlformats.org/presentationml/2006/main">
-  <p:cSld>
-    <p:spTree>
-      <p:nvGrpSpPr>
-        <p:cNvPr id="1" name="">
-          <a:extLst>
-            <a:ext uri="{FF2B5EF4-FFF2-40B4-BE49-F238E27FC236}">
               <a16:creationId xmlns:a16="http://schemas.microsoft.com/office/drawing/2014/main" id="{158AFDC5-CEB2-2E44-FD55-BE956C458E36}"/>
             </a:ext>
           </a:extLst>
@@ -6289,6 +5821,15 @@
                 <a:spcPts val="2400"/>
               </a:spcAft>
             </a:pPr>
+            <a:r>
+              <a:rPr lang="cs-CZ" sz="2400" b="0" dirty="0">
+                <a:solidFill>
+                  <a:srgbClr val="292929"/>
+                </a:solidFill>
+                <a:hlinkClick r:id="rId4"/>
+              </a:rPr>
+              <a:t>https://csu.gov.cz/infografiky</a:t>
+            </a:r>
             <a:endParaRPr lang="cs-CZ" sz="2400" b="0" dirty="0">
               <a:solidFill>
                 <a:srgbClr val="292929"/>
@@ -6993,26 +6534,6 @@
 </file>
 
 <file path=customXml/item1.xml><?xml version="1.0" encoding="utf-8"?>
-<p:properties xmlns:p="http://schemas.microsoft.com/office/2006/metadata/properties" xmlns:xsi="http://www.w3.org/2001/XMLSchema-instance" xmlns:pc="http://schemas.microsoft.com/office/infopath/2007/PartnerControls">
-  <documentManagement>
-    <lcf76f155ced4ddcb4097134ff3c332f xmlns="b5e40aea-b4ae-4b94-9008-c1fed4a5c359">
-      <Terms xmlns="http://schemas.microsoft.com/office/infopath/2007/PartnerControls"/>
-    </lcf76f155ced4ddcb4097134ff3c332f>
-    <TaxCatchAll xmlns="c95f7331-2dea-4b91-a62c-a2ea58dcbe03" xsi:nil="true"/>
-  </documentManagement>
-</p:properties>
-</file>
-
-<file path=customXml/item2.xml><?xml version="1.0" encoding="utf-8"?>
-<?mso-contentType ?>
-<FormTemplates xmlns="http://schemas.microsoft.com/sharepoint/v3/contenttype/forms">
-  <Display>DocumentLibraryForm</Display>
-  <Edit>DocumentLibraryForm</Edit>
-  <New>DocumentLibraryForm</New>
-</FormTemplates>
-</file>
-
-<file path=customXml/item3.xml><?xml version="1.0" encoding="utf-8"?>
 <ct:contentTypeSchema xmlns:ct="http://schemas.microsoft.com/office/2006/metadata/contentType" xmlns:ma="http://schemas.microsoft.com/office/2006/metadata/properties/metaAttributes" ct:_="" ma:_="" ma:contentTypeName="Dokument" ma:contentTypeID="0x010100483762EB5A18C04DBFA29C99AD83F26B" ma:contentTypeVersion="15" ma:contentTypeDescription="Vytvoří nový dokument" ma:contentTypeScope="" ma:versionID="d9ef6691753f8d1d5aac364a0a95b869">
   <xsd:schema xmlns:xsd="http://www.w3.org/2001/XMLSchema" xmlns:xs="http://www.w3.org/2001/XMLSchema" xmlns:p="http://schemas.microsoft.com/office/2006/metadata/properties" xmlns:ns2="b5e40aea-b4ae-4b94-9008-c1fed4a5c359" xmlns:ns3="c95f7331-2dea-4b91-a62c-a2ea58dcbe03" targetNamespace="http://schemas.microsoft.com/office/2006/metadata/properties" ma:root="true" ma:fieldsID="8ffb3d0fa66fdebc604d2e8eddcb4819" ns2:_="" ns3:_="">
     <xsd:import namespace="b5e40aea-b4ae-4b94-9008-c1fed4a5c359"/>
@@ -7247,26 +6768,27 @@
 </ct:contentTypeSchema>
 </file>
 
-<file path=customXml/itemProps1.xml><?xml version="1.0" encoding="utf-8"?>
-<ds:datastoreItem xmlns:ds="http://schemas.openxmlformats.org/officeDocument/2006/customXml" ds:itemID="{E33785A2-D7CE-4CE1-98CE-0E3D5DDB8231}">
-  <ds:schemaRefs>
-    <ds:schemaRef ds:uri="http://schemas.microsoft.com/office/2006/metadata/properties"/>
-    <ds:schemaRef ds:uri="http://schemas.microsoft.com/office/infopath/2007/PartnerControls"/>
-    <ds:schemaRef ds:uri="b5e40aea-b4ae-4b94-9008-c1fed4a5c359"/>
-    <ds:schemaRef ds:uri="c95f7331-2dea-4b91-a62c-a2ea58dcbe03"/>
-  </ds:schemaRefs>
-</ds:datastoreItem>
+<file path=customXml/item2.xml><?xml version="1.0" encoding="utf-8"?>
+<?mso-contentType ?>
+<FormTemplates xmlns="http://schemas.microsoft.com/sharepoint/v3/contenttype/forms">
+  <Display>DocumentLibraryForm</Display>
+  <Edit>DocumentLibraryForm</Edit>
+  <New>DocumentLibraryForm</New>
+</FormTemplates>
 </file>
 
-<file path=customXml/itemProps2.xml><?xml version="1.0" encoding="utf-8"?>
-<ds:datastoreItem xmlns:ds="http://schemas.openxmlformats.org/officeDocument/2006/customXml" ds:itemID="{35AAFBE4-E0F2-46C8-9B9D-C83397D2F04E}">
-  <ds:schemaRefs>
-    <ds:schemaRef ds:uri="http://schemas.microsoft.com/sharepoint/v3/contenttype/forms"/>
-  </ds:schemaRefs>
-</ds:datastoreItem>
+<file path=customXml/item3.xml><?xml version="1.0" encoding="utf-8"?>
+<p:properties xmlns:p="http://schemas.microsoft.com/office/2006/metadata/properties" xmlns:xsi="http://www.w3.org/2001/XMLSchema-instance" xmlns:pc="http://schemas.microsoft.com/office/infopath/2007/PartnerControls">
+  <documentManagement>
+    <lcf76f155ced4ddcb4097134ff3c332f xmlns="b5e40aea-b4ae-4b94-9008-c1fed4a5c359">
+      <Terms xmlns="http://schemas.microsoft.com/office/infopath/2007/PartnerControls"/>
+    </lcf76f155ced4ddcb4097134ff3c332f>
+    <TaxCatchAll xmlns="c95f7331-2dea-4b91-a62c-a2ea58dcbe03" xsi:nil="true"/>
+  </documentManagement>
+</p:properties>
 </file>
 
-<file path=customXml/itemProps3.xml><?xml version="1.0" encoding="utf-8"?>
+<file path=customXml/itemProps1.xml><?xml version="1.0" encoding="utf-8"?>
 <ds:datastoreItem xmlns:ds="http://schemas.openxmlformats.org/officeDocument/2006/customXml" ds:itemID="{9FF36B38-92E1-4434-B928-0B6896AEBC4E}">
   <ds:schemaRefs>
     <ds:schemaRef ds:uri="http://schemas.microsoft.com/office/2006/metadata/contentType"/>
@@ -7283,4 +6805,23 @@
     <ds:schemaRef ds:uri="http://schemas.microsoft.com/internal/obd"/>
   </ds:schemaRefs>
 </ds:datastoreItem>
+</file>
+
+<file path=customXml/itemProps2.xml><?xml version="1.0" encoding="utf-8"?>
+<ds:datastoreItem xmlns:ds="http://schemas.openxmlformats.org/officeDocument/2006/customXml" ds:itemID="{35AAFBE4-E0F2-46C8-9B9D-C83397D2F04E}">
+  <ds:schemaRefs>
+    <ds:schemaRef ds:uri="http://schemas.microsoft.com/sharepoint/v3/contenttype/forms"/>
+  </ds:schemaRefs>
+</ds:datastoreItem>
+</file>
+
+<file path=customXml/itemProps3.xml><?xml version="1.0" encoding="utf-8"?>
+<ds:datastoreItem xmlns:ds="http://schemas.openxmlformats.org/officeDocument/2006/customXml" ds:itemID="{E33785A2-D7CE-4CE1-98CE-0E3D5DDB8231}">
+  <ds:schemaRefs>
+    <ds:schemaRef ds:uri="http://schemas.microsoft.com/office/2006/metadata/properties"/>
+    <ds:schemaRef ds:uri="http://schemas.microsoft.com/office/infopath/2007/PartnerControls"/>
+    <ds:schemaRef ds:uri="b5e40aea-b4ae-4b94-9008-c1fed4a5c359"/>
+    <ds:schemaRef ds:uri="c95f7331-2dea-4b91-a62c-a2ea58dcbe03"/>
+  </ds:schemaRefs>
+</ds:datastoreItem>
 </file>
--- a/Prezentace/2_Vizualizace_dat.pptx
+++ b/Prezentace/2_Vizualizace_dat.pptx
@@ -312,7 +312,7 @@
               <a:pPr>
                 <a:defRPr/>
               </a:pPr>
-              <a:t>03.12.2024</a:t>
+              <a:t>04.12.2024</a:t>
             </a:fld>
             <a:endParaRPr lang="cs-CZ"/>
           </a:p>
@@ -3508,7 +3508,7 @@
               <a:pPr>
                 <a:defRPr/>
               </a:pPr>
-              <a:t>03.12.2024</a:t>
+              <a:t>04.12.2024</a:t>
             </a:fld>
             <a:endParaRPr lang="cs-CZ"/>
           </a:p>
@@ -6534,6 +6534,26 @@
 </file>
 
 <file path=customXml/item1.xml><?xml version="1.0" encoding="utf-8"?>
+<p:properties xmlns:p="http://schemas.microsoft.com/office/2006/metadata/properties" xmlns:xsi="http://www.w3.org/2001/XMLSchema-instance" xmlns:pc="http://schemas.microsoft.com/office/infopath/2007/PartnerControls">
+  <documentManagement>
+    <lcf76f155ced4ddcb4097134ff3c332f xmlns="b5e40aea-b4ae-4b94-9008-c1fed4a5c359">
+      <Terms xmlns="http://schemas.microsoft.com/office/infopath/2007/PartnerControls"/>
+    </lcf76f155ced4ddcb4097134ff3c332f>
+    <TaxCatchAll xmlns="c95f7331-2dea-4b91-a62c-a2ea58dcbe03" xsi:nil="true"/>
+  </documentManagement>
+</p:properties>
+</file>
+
+<file path=customXml/item2.xml><?xml version="1.0" encoding="utf-8"?>
+<?mso-contentType ?>
+<FormTemplates xmlns="http://schemas.microsoft.com/sharepoint/v3/contenttype/forms">
+  <Display>DocumentLibraryForm</Display>
+  <Edit>DocumentLibraryForm</Edit>
+  <New>DocumentLibraryForm</New>
+</FormTemplates>
+</file>
+
+<file path=customXml/item3.xml><?xml version="1.0" encoding="utf-8"?>
 <ct:contentTypeSchema xmlns:ct="http://schemas.microsoft.com/office/2006/metadata/contentType" xmlns:ma="http://schemas.microsoft.com/office/2006/metadata/properties/metaAttributes" ct:_="" ma:_="" ma:contentTypeName="Dokument" ma:contentTypeID="0x010100483762EB5A18C04DBFA29C99AD83F26B" ma:contentTypeVersion="15" ma:contentTypeDescription="Vytvoří nový dokument" ma:contentTypeScope="" ma:versionID="d9ef6691753f8d1d5aac364a0a95b869">
   <xsd:schema xmlns:xsd="http://www.w3.org/2001/XMLSchema" xmlns:xs="http://www.w3.org/2001/XMLSchema" xmlns:p="http://schemas.microsoft.com/office/2006/metadata/properties" xmlns:ns2="b5e40aea-b4ae-4b94-9008-c1fed4a5c359" xmlns:ns3="c95f7331-2dea-4b91-a62c-a2ea58dcbe03" targetNamespace="http://schemas.microsoft.com/office/2006/metadata/properties" ma:root="true" ma:fieldsID="8ffb3d0fa66fdebc604d2e8eddcb4819" ns2:_="" ns3:_="">
     <xsd:import namespace="b5e40aea-b4ae-4b94-9008-c1fed4a5c359"/>
@@ -6768,27 +6788,26 @@
 </ct:contentTypeSchema>
 </file>
 
-<file path=customXml/item2.xml><?xml version="1.0" encoding="utf-8"?>
-<?mso-contentType ?>
-<FormTemplates xmlns="http://schemas.microsoft.com/sharepoint/v3/contenttype/forms">
-  <Display>DocumentLibraryForm</Display>
-  <Edit>DocumentLibraryForm</Edit>
-  <New>DocumentLibraryForm</New>
-</FormTemplates>
+<file path=customXml/itemProps1.xml><?xml version="1.0" encoding="utf-8"?>
+<ds:datastoreItem xmlns:ds="http://schemas.openxmlformats.org/officeDocument/2006/customXml" ds:itemID="{E33785A2-D7CE-4CE1-98CE-0E3D5DDB8231}">
+  <ds:schemaRefs>
+    <ds:schemaRef ds:uri="http://schemas.microsoft.com/office/2006/metadata/properties"/>
+    <ds:schemaRef ds:uri="http://schemas.microsoft.com/office/infopath/2007/PartnerControls"/>
+    <ds:schemaRef ds:uri="b5e40aea-b4ae-4b94-9008-c1fed4a5c359"/>
+    <ds:schemaRef ds:uri="c95f7331-2dea-4b91-a62c-a2ea58dcbe03"/>
+  </ds:schemaRefs>
+</ds:datastoreItem>
 </file>
 
-<file path=customXml/item3.xml><?xml version="1.0" encoding="utf-8"?>
-<p:properties xmlns:p="http://schemas.microsoft.com/office/2006/metadata/properties" xmlns:xsi="http://www.w3.org/2001/XMLSchema-instance" xmlns:pc="http://schemas.microsoft.com/office/infopath/2007/PartnerControls">
-  <documentManagement>
-    <lcf76f155ced4ddcb4097134ff3c332f xmlns="b5e40aea-b4ae-4b94-9008-c1fed4a5c359">
-      <Terms xmlns="http://schemas.microsoft.com/office/infopath/2007/PartnerControls"/>
-    </lcf76f155ced4ddcb4097134ff3c332f>
-    <TaxCatchAll xmlns="c95f7331-2dea-4b91-a62c-a2ea58dcbe03" xsi:nil="true"/>
-  </documentManagement>
-</p:properties>
+<file path=customXml/itemProps2.xml><?xml version="1.0" encoding="utf-8"?>
+<ds:datastoreItem xmlns:ds="http://schemas.openxmlformats.org/officeDocument/2006/customXml" ds:itemID="{35AAFBE4-E0F2-46C8-9B9D-C83397D2F04E}">
+  <ds:schemaRefs>
+    <ds:schemaRef ds:uri="http://schemas.microsoft.com/sharepoint/v3/contenttype/forms"/>
+  </ds:schemaRefs>
+</ds:datastoreItem>
 </file>
 
-<file path=customXml/itemProps1.xml><?xml version="1.0" encoding="utf-8"?>
+<file path=customXml/itemProps3.xml><?xml version="1.0" encoding="utf-8"?>
 <ds:datastoreItem xmlns:ds="http://schemas.openxmlformats.org/officeDocument/2006/customXml" ds:itemID="{9FF36B38-92E1-4434-B928-0B6896AEBC4E}">
   <ds:schemaRefs>
     <ds:schemaRef ds:uri="http://schemas.microsoft.com/office/2006/metadata/contentType"/>
@@ -6805,23 +6824,4 @@
     <ds:schemaRef ds:uri="http://schemas.microsoft.com/internal/obd"/>
   </ds:schemaRefs>
 </ds:datastoreItem>
-</file>
-
-<file path=customXml/itemProps2.xml><?xml version="1.0" encoding="utf-8"?>
-<ds:datastoreItem xmlns:ds="http://schemas.openxmlformats.org/officeDocument/2006/customXml" ds:itemID="{35AAFBE4-E0F2-46C8-9B9D-C83397D2F04E}">
-  <ds:schemaRefs>
-    <ds:schemaRef ds:uri="http://schemas.microsoft.com/sharepoint/v3/contenttype/forms"/>
-  </ds:schemaRefs>
-</ds:datastoreItem>
-</file>
-
-<file path=customXml/itemProps3.xml><?xml version="1.0" encoding="utf-8"?>
-<ds:datastoreItem xmlns:ds="http://schemas.openxmlformats.org/officeDocument/2006/customXml" ds:itemID="{E33785A2-D7CE-4CE1-98CE-0E3D5DDB8231}">
-  <ds:schemaRefs>
-    <ds:schemaRef ds:uri="http://schemas.microsoft.com/office/2006/metadata/properties"/>
-    <ds:schemaRef ds:uri="http://schemas.microsoft.com/office/infopath/2007/PartnerControls"/>
-    <ds:schemaRef ds:uri="b5e40aea-b4ae-4b94-9008-c1fed4a5c359"/>
-    <ds:schemaRef ds:uri="c95f7331-2dea-4b91-a62c-a2ea58dcbe03"/>
-  </ds:schemaRefs>
-</ds:datastoreItem>
 </file>
--- a/Prezentace/2_Vizualizace_dat.pptx
+++ b/Prezentace/2_Vizualizace_dat.pptx
@@ -312,7 +312,7 @@
               <a:pPr>
                 <a:defRPr/>
               </a:pPr>
-              <a:t>04.12.2024</a:t>
+              <a:t>05.12.2024</a:t>
             </a:fld>
             <a:endParaRPr lang="cs-CZ"/>
           </a:p>
@@ -3508,7 +3508,7 @@
               <a:pPr>
                 <a:defRPr/>
               </a:pPr>
-              <a:t>04.12.2024</a:t>
+              <a:t>05.12.2024</a:t>
             </a:fld>
             <a:endParaRPr lang="cs-CZ"/>
           </a:p>
@@ -6534,26 +6534,6 @@
 </file>
 
 <file path=customXml/item1.xml><?xml version="1.0" encoding="utf-8"?>
-<p:properties xmlns:p="http://schemas.microsoft.com/office/2006/metadata/properties" xmlns:xsi="http://www.w3.org/2001/XMLSchema-instance" xmlns:pc="http://schemas.microsoft.com/office/infopath/2007/PartnerControls">
-  <documentManagement>
-    <lcf76f155ced4ddcb4097134ff3c332f xmlns="b5e40aea-b4ae-4b94-9008-c1fed4a5c359">
-      <Terms xmlns="http://schemas.microsoft.com/office/infopath/2007/PartnerControls"/>
-    </lcf76f155ced4ddcb4097134ff3c332f>
-    <TaxCatchAll xmlns="c95f7331-2dea-4b91-a62c-a2ea58dcbe03" xsi:nil="true"/>
-  </documentManagement>
-</p:properties>
-</file>
-
-<file path=customXml/item2.xml><?xml version="1.0" encoding="utf-8"?>
-<?mso-contentType ?>
-<FormTemplates xmlns="http://schemas.microsoft.com/sharepoint/v3/contenttype/forms">
-  <Display>DocumentLibraryForm</Display>
-  <Edit>DocumentLibraryForm</Edit>
-  <New>DocumentLibraryForm</New>
-</FormTemplates>
-</file>
-
-<file path=customXml/item3.xml><?xml version="1.0" encoding="utf-8"?>
 <ct:contentTypeSchema xmlns:ct="http://schemas.microsoft.com/office/2006/metadata/contentType" xmlns:ma="http://schemas.microsoft.com/office/2006/metadata/properties/metaAttributes" ct:_="" ma:_="" ma:contentTypeName="Dokument" ma:contentTypeID="0x010100483762EB5A18C04DBFA29C99AD83F26B" ma:contentTypeVersion="15" ma:contentTypeDescription="Vytvoří nový dokument" ma:contentTypeScope="" ma:versionID="d9ef6691753f8d1d5aac364a0a95b869">
   <xsd:schema xmlns:xsd="http://www.w3.org/2001/XMLSchema" xmlns:xs="http://www.w3.org/2001/XMLSchema" xmlns:p="http://schemas.microsoft.com/office/2006/metadata/properties" xmlns:ns2="b5e40aea-b4ae-4b94-9008-c1fed4a5c359" xmlns:ns3="c95f7331-2dea-4b91-a62c-a2ea58dcbe03" targetNamespace="http://schemas.microsoft.com/office/2006/metadata/properties" ma:root="true" ma:fieldsID="8ffb3d0fa66fdebc604d2e8eddcb4819" ns2:_="" ns3:_="">
     <xsd:import namespace="b5e40aea-b4ae-4b94-9008-c1fed4a5c359"/>
@@ -6788,26 +6768,27 @@
 </ct:contentTypeSchema>
 </file>
 
-<file path=customXml/itemProps1.xml><?xml version="1.0" encoding="utf-8"?>
-<ds:datastoreItem xmlns:ds="http://schemas.openxmlformats.org/officeDocument/2006/customXml" ds:itemID="{E33785A2-D7CE-4CE1-98CE-0E3D5DDB8231}">
-  <ds:schemaRefs>
-    <ds:schemaRef ds:uri="http://schemas.microsoft.com/office/2006/metadata/properties"/>
-    <ds:schemaRef ds:uri="http://schemas.microsoft.com/office/infopath/2007/PartnerControls"/>
-    <ds:schemaRef ds:uri="b5e40aea-b4ae-4b94-9008-c1fed4a5c359"/>
-    <ds:schemaRef ds:uri="c95f7331-2dea-4b91-a62c-a2ea58dcbe03"/>
-  </ds:schemaRefs>
-</ds:datastoreItem>
+<file path=customXml/item2.xml><?xml version="1.0" encoding="utf-8"?>
+<?mso-contentType ?>
+<FormTemplates xmlns="http://schemas.microsoft.com/sharepoint/v3/contenttype/forms">
+  <Display>DocumentLibraryForm</Display>
+  <Edit>DocumentLibraryForm</Edit>
+  <New>DocumentLibraryForm</New>
+</FormTemplates>
 </file>
 
-<file path=customXml/itemProps2.xml><?xml version="1.0" encoding="utf-8"?>
-<ds:datastoreItem xmlns:ds="http://schemas.openxmlformats.org/officeDocument/2006/customXml" ds:itemID="{35AAFBE4-E0F2-46C8-9B9D-C83397D2F04E}">
-  <ds:schemaRefs>
-    <ds:schemaRef ds:uri="http://schemas.microsoft.com/sharepoint/v3/contenttype/forms"/>
-  </ds:schemaRefs>
-</ds:datastoreItem>
+<file path=customXml/item3.xml><?xml version="1.0" encoding="utf-8"?>
+<p:properties xmlns:p="http://schemas.microsoft.com/office/2006/metadata/properties" xmlns:xsi="http://www.w3.org/2001/XMLSchema-instance" xmlns:pc="http://schemas.microsoft.com/office/infopath/2007/PartnerControls">
+  <documentManagement>
+    <lcf76f155ced4ddcb4097134ff3c332f xmlns="b5e40aea-b4ae-4b94-9008-c1fed4a5c359">
+      <Terms xmlns="http://schemas.microsoft.com/office/infopath/2007/PartnerControls"/>
+    </lcf76f155ced4ddcb4097134ff3c332f>
+    <TaxCatchAll xmlns="c95f7331-2dea-4b91-a62c-a2ea58dcbe03" xsi:nil="true"/>
+  </documentManagement>
+</p:properties>
 </file>
 
-<file path=customXml/itemProps3.xml><?xml version="1.0" encoding="utf-8"?>
+<file path=customXml/itemProps1.xml><?xml version="1.0" encoding="utf-8"?>
 <ds:datastoreItem xmlns:ds="http://schemas.openxmlformats.org/officeDocument/2006/customXml" ds:itemID="{9FF36B38-92E1-4434-B928-0B6896AEBC4E}">
   <ds:schemaRefs>
     <ds:schemaRef ds:uri="http://schemas.microsoft.com/office/2006/metadata/contentType"/>
@@ -6824,4 +6805,23 @@
     <ds:schemaRef ds:uri="http://schemas.microsoft.com/internal/obd"/>
   </ds:schemaRefs>
 </ds:datastoreItem>
+</file>
+
+<file path=customXml/itemProps2.xml><?xml version="1.0" encoding="utf-8"?>
+<ds:datastoreItem xmlns:ds="http://schemas.openxmlformats.org/officeDocument/2006/customXml" ds:itemID="{35AAFBE4-E0F2-46C8-9B9D-C83397D2F04E}">
+  <ds:schemaRefs>
+    <ds:schemaRef ds:uri="http://schemas.microsoft.com/sharepoint/v3/contenttype/forms"/>
+  </ds:schemaRefs>
+</ds:datastoreItem>
+</file>
+
+<file path=customXml/itemProps3.xml><?xml version="1.0" encoding="utf-8"?>
+<ds:datastoreItem xmlns:ds="http://schemas.openxmlformats.org/officeDocument/2006/customXml" ds:itemID="{E33785A2-D7CE-4CE1-98CE-0E3D5DDB8231}">
+  <ds:schemaRefs>
+    <ds:schemaRef ds:uri="http://schemas.microsoft.com/office/2006/metadata/properties"/>
+    <ds:schemaRef ds:uri="http://schemas.microsoft.com/office/infopath/2007/PartnerControls"/>
+    <ds:schemaRef ds:uri="b5e40aea-b4ae-4b94-9008-c1fed4a5c359"/>
+    <ds:schemaRef ds:uri="c95f7331-2dea-4b91-a62c-a2ea58dcbe03"/>
+  </ds:schemaRefs>
+</ds:datastoreItem>
 </file>